--- a/session-1/session-1-slides.pptx
+++ b/session-1/session-1-slides.pptx
@@ -114,6 +114,11 @@
       </a:defRPr>
     </a:lvl9pPr>
   </p:defaultTextStyle>
+  <p:extLst>
+    <p:ext uri="{EFAFB233-063F-42B5-8137-9DF3F51BA10A}">
+      <p15:sldGuideLst xmlns:p15="http://schemas.microsoft.com/office/powerpoint/2012/main"/>
+    </p:ext>
+  </p:extLst>
 </p:presentation>
 </file>
 
@@ -3780,13 +3785,37 @@
             </a:r>
           </a:p>
           <a:p>
+            <a:endParaRPr lang="en-US" dirty="0"/>
+          </a:p>
+          <a:p>
             <a:r>
               <a:rPr lang="en-US" dirty="0"/>
               <a:t>paste(), paste0()</a:t>
             </a:r>
           </a:p>
           <a:p>
-            <a:endParaRPr lang="en-US" dirty="0"/>
+            <a:r>
+              <a:rPr lang="en-US" dirty="0"/>
+              <a:t>grep(), </a:t>
+            </a:r>
+            <a:r>
+              <a:rPr lang="en-US" dirty="0" err="1"/>
+              <a:t>grepl</a:t>
+            </a:r>
+            <a:r>
+              <a:rPr lang="en-US" dirty="0"/>
+              <a:t>()</a:t>
+            </a:r>
+          </a:p>
+          <a:p>
+            <a:r>
+              <a:rPr lang="en-US" dirty="0" err="1"/>
+              <a:t>substr</a:t>
+            </a:r>
+            <a:r>
+              <a:rPr lang="en-US" dirty="0"/>
+              <a:t>()</a:t>
+            </a:r>
           </a:p>
           <a:p>
             <a:endParaRPr lang="en-US" dirty="0"/>
@@ -4433,6 +4462,7 @@
           </a:p>
           <a:p>
             <a:pPr marL="514350" indent="-514350">
+              <a:buFont typeface="Arial" panose="020B0604020202020204" pitchFamily="34" charset="0"/>
               <a:buAutoNum type="arabicPeriod"/>
             </a:pPr>
             <a:r>
@@ -4693,13 +4723,13 @@
           <a:p>
             <a:r>
               <a:rPr lang="en-US" dirty="0"/>
-              <a:t>Dataset operations: assignment, summarizing, grouping.</a:t>
-            </a:r>
-          </a:p>
-          <a:p>
-            <a:r>
-              <a:rPr lang="en-US" dirty="0"/>
               <a:t>Be able to use help.</a:t>
+            </a:r>
+          </a:p>
+          <a:p>
+            <a:r>
+              <a:rPr lang="en-US" dirty="0"/>
+              <a:t>Be able to use base R functions.</a:t>
             </a:r>
           </a:p>
         </p:txBody>
